--- a/Lessons/M_unsupervised/AssociationRules_CollaborativeFiltering.pptx
+++ b/Lessons/M_unsupervised/AssociationRules_CollaborativeFiltering.pptx
@@ -260,7 +260,7 @@
           <a:p>
             <a:fld id="{B0C0A60C-850A-4EA4-9C14-A8FE98B94505}" type="datetimeFigureOut">
               <a:rPr lang="en-US" smtClean="0"/>
-              <a:t>12/4/23</a:t>
+              <a:t>4/28/24</a:t>
             </a:fld>
             <a:endParaRPr lang="en-US"/>
           </a:p>
@@ -2644,7 +2644,7 @@
           <a:p>
             <a:fld id="{5738B90E-0779-4C36-915C-6F05FCD89456}" type="datetime1">
               <a:rPr lang="en-US" smtClean="0"/>
-              <a:t>12/4/23</a:t>
+              <a:t>4/28/24</a:t>
             </a:fld>
             <a:endParaRPr lang="en-US"/>
           </a:p>
@@ -2862,7 +2862,7 @@
           <a:p>
             <a:fld id="{7B9EA29D-D431-42FE-B7B6-AAE4454C77D3}" type="datetime1">
               <a:rPr lang="en-US" smtClean="0"/>
-              <a:t>12/4/23</a:t>
+              <a:t>4/28/24</a:t>
             </a:fld>
             <a:endParaRPr lang="en-US"/>
           </a:p>
@@ -3122,7 +3122,7 @@
           <a:p>
             <a:fld id="{690D8A1E-EA8F-46C1-B891-AE0C00D9C314}" type="datetime1">
               <a:rPr lang="en-US" smtClean="0"/>
-              <a:t>12/4/23</a:t>
+              <a:t>4/28/24</a:t>
             </a:fld>
             <a:endParaRPr lang="en-US"/>
           </a:p>
@@ -3638,7 +3638,7 @@
           <a:p>
             <a:fld id="{DAB365D0-5BFF-4591-B84D-8953AC9A16AD}" type="datetime1">
               <a:rPr lang="en-US" smtClean="0"/>
-              <a:t>12/4/23</a:t>
+              <a:t>4/28/24</a:t>
             </a:fld>
             <a:endParaRPr lang="en-US" dirty="0"/>
           </a:p>
@@ -3872,7 +3872,7 @@
           <a:p>
             <a:fld id="{D753EFC8-4232-4598-94F6-94C0EBAFC469}" type="datetime1">
               <a:rPr lang="en-US" smtClean="0"/>
-              <a:t>12/4/23</a:t>
+              <a:t>4/28/24</a:t>
             </a:fld>
             <a:endParaRPr lang="en-US"/>
           </a:p>
@@ -4187,7 +4187,7 @@
           <a:p>
             <a:fld id="{F3161074-1C18-4AE7-957D-F18524378C85}" type="datetime1">
               <a:rPr lang="en-US" smtClean="0"/>
-              <a:t>12/4/23</a:t>
+              <a:t>4/28/24</a:t>
             </a:fld>
             <a:endParaRPr lang="en-US"/>
           </a:p>
@@ -4461,7 +4461,7 @@
           <a:p>
             <a:fld id="{69BE256C-8D9A-4404-B47D-41A1AE514425}" type="datetime1">
               <a:rPr lang="en-US" smtClean="0"/>
-              <a:t>12/4/23</a:t>
+              <a:t>4/28/24</a:t>
             </a:fld>
             <a:endParaRPr lang="en-US"/>
           </a:p>
@@ -4895,7 +4895,7 @@
           <a:p>
             <a:fld id="{66CB2154-9035-4012-8189-BAAB61C5A5EE}" type="datetime1">
               <a:rPr lang="en-US" smtClean="0"/>
-              <a:t>12/4/23</a:t>
+              <a:t>4/28/24</a:t>
             </a:fld>
             <a:endParaRPr lang="en-US"/>
           </a:p>
@@ -5069,7 +5069,7 @@
           <a:p>
             <a:fld id="{6700A58B-DD98-43D0-B791-721480A02982}" type="datetime1">
               <a:rPr lang="en-US" smtClean="0"/>
-              <a:t>12/4/23</a:t>
+              <a:t>4/28/24</a:t>
             </a:fld>
             <a:endParaRPr lang="en-US"/>
           </a:p>
@@ -5261,7 +5261,7 @@
           <a:p>
             <a:fld id="{7DB6E382-4F61-4E24-BE1A-377EC83D0E3A}" type="datetime1">
               <a:rPr lang="en-US" smtClean="0"/>
-              <a:t>12/4/23</a:t>
+              <a:t>4/28/24</a:t>
             </a:fld>
             <a:endParaRPr lang="en-US"/>
           </a:p>
@@ -5572,7 +5572,7 @@
           <a:p>
             <a:fld id="{4142EED6-FC16-45B9-B8C4-2BC5DBA88325}" type="datetime1">
               <a:rPr lang="en-US" smtClean="0"/>
-              <a:t>12/4/23</a:t>
+              <a:t>4/28/24</a:t>
             </a:fld>
             <a:endParaRPr lang="en-US"/>
           </a:p>
@@ -5890,7 +5890,7 @@
           <a:p>
             <a:fld id="{DF59512B-4F1D-43D7-8819-2F53FEF69650}" type="datetime1">
               <a:rPr lang="en-US" smtClean="0"/>
-              <a:t>12/4/23</a:t>
+              <a:t>4/28/24</a:t>
             </a:fld>
             <a:endParaRPr lang="en-US"/>
           </a:p>
@@ -6166,7 +6166,7 @@
           <a:p>
             <a:fld id="{08437B94-E2BF-44DC-ADC5-B05FC9934E9D}" type="datetime1">
               <a:rPr lang="en-US" smtClean="0"/>
-              <a:t>12/4/23</a:t>
+              <a:t>4/28/24</a:t>
             </a:fld>
             <a:endParaRPr lang="en-US"/>
           </a:p>
@@ -6687,7 +6687,7 @@
           <a:p>
             <a:fld id="{5738B90E-0779-4C36-915C-6F05FCD89456}" type="datetime1">
               <a:rPr lang="en-US" smtClean="0"/>
-              <a:t>12/4/23</a:t>
+              <a:t>4/28/24</a:t>
             </a:fld>
             <a:endParaRPr lang="en-US"/>
           </a:p>
@@ -6797,7 +6797,7 @@
           <a:p>
             <a:fld id="{6700A58B-DD98-43D0-B791-721480A02982}" type="datetime1">
               <a:rPr lang="en-US" smtClean="0"/>
-              <a:t>12/4/23</a:t>
+              <a:t>4/28/24</a:t>
             </a:fld>
             <a:endParaRPr lang="en-US"/>
           </a:p>
@@ -7388,7 +7388,7 @@
           <a:p>
             <a:fld id="{6700A58B-DD98-43D0-B791-721480A02982}" type="datetime1">
               <a:rPr lang="en-US" smtClean="0"/>
-              <a:t>12/4/23</a:t>
+              <a:t>4/28/24</a:t>
             </a:fld>
             <a:endParaRPr lang="en-US"/>
           </a:p>
@@ -7538,7 +7538,7 @@
           <a:p>
             <a:fld id="{6700A58B-DD98-43D0-B791-721480A02982}" type="datetime1">
               <a:rPr lang="en-US" smtClean="0"/>
-              <a:t>12/4/23</a:t>
+              <a:t>4/28/24</a:t>
             </a:fld>
             <a:endParaRPr lang="en-US"/>
           </a:p>
@@ -7913,7 +7913,7 @@
           <a:p>
             <a:fld id="{6700A58B-DD98-43D0-B791-721480A02982}" type="datetime1">
               <a:rPr lang="en-US" smtClean="0"/>
-              <a:t>12/4/23</a:t>
+              <a:t>4/28/24</a:t>
             </a:fld>
             <a:endParaRPr lang="en-US"/>
           </a:p>
@@ -8063,7 +8063,7 @@
           <a:p>
             <a:fld id="{6700A58B-DD98-43D0-B791-721480A02982}" type="datetime1">
               <a:rPr lang="en-US" smtClean="0"/>
-              <a:t>12/4/23</a:t>
+              <a:t>4/28/24</a:t>
             </a:fld>
             <a:endParaRPr lang="en-US"/>
           </a:p>
@@ -8434,7 +8434,7 @@
           <a:p>
             <a:fld id="{6700A58B-DD98-43D0-B791-721480A02982}" type="datetime1">
               <a:rPr lang="en-US" smtClean="0"/>
-              <a:t>12/4/23</a:t>
+              <a:t>4/28/24</a:t>
             </a:fld>
             <a:endParaRPr lang="en-US"/>
           </a:p>
@@ -8584,7 +8584,7 @@
           <a:p>
             <a:fld id="{6700A58B-DD98-43D0-B791-721480A02982}" type="datetime1">
               <a:rPr lang="en-US" smtClean="0"/>
-              <a:t>12/4/23</a:t>
+              <a:t>4/28/24</a:t>
             </a:fld>
             <a:endParaRPr lang="en-US"/>
           </a:p>
@@ -9001,7 +9001,7 @@
           <a:p>
             <a:fld id="{9B19E99B-5349-415A-8E56-8E989211A366}" type="datetime1">
               <a:rPr lang="en-US" smtClean="0"/>
-              <a:t>12/4/23</a:t>
+              <a:t>4/28/24</a:t>
             </a:fld>
             <a:endParaRPr lang="en-US"/>
           </a:p>
@@ -9352,7 +9352,7 @@
           <a:p>
             <a:fld id="{D753EFC8-4232-4598-94F6-94C0EBAFC469}" type="datetime1">
               <a:rPr lang="en-US" smtClean="0"/>
-              <a:t>12/4/23</a:t>
+              <a:t>4/28/24</a:t>
             </a:fld>
             <a:endParaRPr lang="en-US"/>
           </a:p>
@@ -10274,7 +10274,7 @@
           <a:p>
             <a:fld id="{9B19E99B-5349-415A-8E56-8E989211A366}" type="datetime1">
               <a:rPr lang="en-US" smtClean="0"/>
-              <a:t>12/4/23</a:t>
+              <a:t>4/28/24</a:t>
             </a:fld>
             <a:endParaRPr lang="en-US"/>
           </a:p>
@@ -11419,7 +11419,7 @@
             <a:pPr algn="ctr"/>
             <a:r>
               <a:rPr lang="en-US" dirty="0"/>
-              <a:t>Iteratively by calculating the sec run of 2+ item sets (if white, then red) you learn about frequencies as you find more complex item sets.  If item sets don’t have support in the prior run, they won’t have support in later runs.</a:t>
+              <a:t>Iteratively by calculating the second run of 2+ item sets {white, red} you learn about frequencies as you find more complex item sets.  If item sets don’t have support in the prior run, they won’t have support in later runs.</a:t>
             </a:r>
           </a:p>
         </p:txBody>
@@ -11502,7 +11502,7 @@
           <a:p>
             <a:fld id="{D753EFC8-4232-4598-94F6-94C0EBAFC469}" type="datetime1">
               <a:rPr lang="en-US" smtClean="0"/>
-              <a:t>12/4/23</a:t>
+              <a:t>4/28/24</a:t>
             </a:fld>
             <a:endParaRPr lang="en-US"/>
           </a:p>
@@ -11881,7 +11881,7 @@
           <a:p>
             <a:fld id="{D753EFC8-4232-4598-94F6-94C0EBAFC469}" type="datetime1">
               <a:rPr lang="en-US" smtClean="0"/>
-              <a:t>12/4/23</a:t>
+              <a:t>4/28/24</a:t>
             </a:fld>
             <a:endParaRPr lang="en-US"/>
           </a:p>
@@ -12478,7 +12478,7 @@
           <a:p>
             <a:fld id="{D753EFC8-4232-4598-94F6-94C0EBAFC469}" type="datetime1">
               <a:rPr lang="en-US" smtClean="0"/>
-              <a:t>12/4/23</a:t>
+              <a:t>4/28/24</a:t>
             </a:fld>
             <a:endParaRPr lang="en-US"/>
           </a:p>
@@ -14253,7 +14253,7 @@
           <a:p>
             <a:fld id="{D753EFC8-4232-4598-94F6-94C0EBAFC469}" type="datetime1">
               <a:rPr lang="en-US" smtClean="0"/>
-              <a:t>12/4/23</a:t>
+              <a:t>4/28/24</a:t>
             </a:fld>
             <a:endParaRPr lang="en-US"/>
           </a:p>
@@ -15015,7 +15015,7 @@
           <a:p>
             <a:fld id="{6700A58B-DD98-43D0-B791-721480A02982}" type="datetime1">
               <a:rPr lang="en-US" smtClean="0"/>
-              <a:t>12/4/23</a:t>
+              <a:t>4/28/24</a:t>
             </a:fld>
             <a:endParaRPr lang="en-US"/>
           </a:p>
@@ -15191,7 +15191,7 @@
           <a:p>
             <a:fld id="{D753EFC8-4232-4598-94F6-94C0EBAFC469}" type="datetime1">
               <a:rPr lang="en-US" smtClean="0"/>
-              <a:t>12/4/23</a:t>
+              <a:t>4/28/24</a:t>
             </a:fld>
             <a:endParaRPr lang="en-US"/>
           </a:p>
@@ -15289,7 +15289,7 @@
           <a:p>
             <a:fld id="{6700A58B-DD98-43D0-B791-721480A02982}" type="datetime1">
               <a:rPr lang="en-US" smtClean="0"/>
-              <a:t>12/4/23</a:t>
+              <a:t>4/28/24</a:t>
             </a:fld>
             <a:endParaRPr lang="en-US"/>
           </a:p>
@@ -16245,7 +16245,7 @@
           <a:p>
             <a:fld id="{6700A58B-DD98-43D0-B791-721480A02982}" type="datetime1">
               <a:rPr lang="en-US" smtClean="0"/>
-              <a:t>12/4/23</a:t>
+              <a:t>4/28/24</a:t>
             </a:fld>
             <a:endParaRPr lang="en-US"/>
           </a:p>
@@ -17438,7 +17438,7 @@
           <a:p>
             <a:fld id="{6700A58B-DD98-43D0-B791-721480A02982}" type="datetime1">
               <a:rPr lang="en-US" smtClean="0"/>
-              <a:t>12/4/23</a:t>
+              <a:t>4/28/24</a:t>
             </a:fld>
             <a:endParaRPr lang="en-US"/>
           </a:p>
@@ -18751,7 +18751,7 @@
           <a:p>
             <a:fld id="{6700A58B-DD98-43D0-B791-721480A02982}" type="datetime1">
               <a:rPr lang="en-US" smtClean="0"/>
-              <a:t>12/4/23</a:t>
+              <a:t>4/28/24</a:t>
             </a:fld>
             <a:endParaRPr lang="en-US"/>
           </a:p>
@@ -19905,7 +19905,7 @@
           <a:p>
             <a:fld id="{6700A58B-DD98-43D0-B791-721480A02982}" type="datetime1">
               <a:rPr lang="en-US" smtClean="0"/>
-              <a:t>12/4/23</a:t>
+              <a:t>4/28/24</a:t>
             </a:fld>
             <a:endParaRPr lang="en-US"/>
           </a:p>
@@ -20205,7 +20205,7 @@
           <a:p>
             <a:fld id="{6700A58B-DD98-43D0-B791-721480A02982}" type="datetime1">
               <a:rPr lang="en-US" smtClean="0"/>
-              <a:t>12/4/23</a:t>
+              <a:t>4/28/24</a:t>
             </a:fld>
             <a:endParaRPr lang="en-US"/>
           </a:p>
@@ -21325,7 +21325,7 @@
           <a:p>
             <a:fld id="{D753EFC8-4232-4598-94F6-94C0EBAFC469}" type="datetime1">
               <a:rPr lang="en-US" smtClean="0"/>
-              <a:t>12/4/23</a:t>
+              <a:t>4/28/24</a:t>
             </a:fld>
             <a:endParaRPr lang="en-US"/>
           </a:p>
@@ -21510,6 +21510,17 @@
             </a:r>
           </a:p>
           <a:p>
+            <a:pPr marL="0" indent="0">
+              <a:buNone/>
+            </a:pPr>
+            <a:r>
+              <a:rPr lang="en-US" dirty="0">
+                <a:ea typeface="ＭＳ Ｐゴシック" pitchFamily="34" charset="-128"/>
+              </a:rPr>
+              <a:t>“how confident are you in a relationship”</a:t>
+            </a:r>
+          </a:p>
+          <a:p>
             <a:endParaRPr lang="en-US" dirty="0">
               <a:ea typeface="ＭＳ Ｐゴシック" pitchFamily="34" charset="-128"/>
             </a:endParaRPr>
@@ -21525,7 +21536,30 @@
               <a:rPr lang="en-US" dirty="0">
                 <a:ea typeface="ＭＳ Ｐゴシック" pitchFamily="34" charset="-128"/>
               </a:rPr>
-              <a:t>shows how effective the rule is in finding consequents above or below the natural selection of the consequence</a:t>
+              <a:t>shows how effective the rule is in finding consequents above or below the natural selection of the consequence </a:t>
+            </a:r>
+          </a:p>
+          <a:p>
+            <a:pPr marL="0" indent="0">
+              <a:buNone/>
+            </a:pPr>
+            <a:r>
+              <a:rPr lang="en-US" dirty="0">
+                <a:ea typeface="ＭＳ Ｐゴシック" pitchFamily="34" charset="-128"/>
+              </a:rPr>
+              <a:t>“how much better is this relationship than just naturally occurring </a:t>
+            </a:r>
+            <a:r>
+              <a:rPr lang="en-US" dirty="0" err="1">
+                <a:ea typeface="ＭＳ Ｐゴシック" pitchFamily="34" charset="-128"/>
+              </a:rPr>
+              <a:t>purhcases</a:t>
+            </a:r>
+            <a:r>
+              <a:rPr lang="en-US" dirty="0">
+                <a:ea typeface="ＭＳ Ｐゴシック" pitchFamily="34" charset="-128"/>
+              </a:rPr>
+              <a:t> of the item?</a:t>
             </a:r>
           </a:p>
           <a:p>
@@ -21762,7 +21796,7 @@
             </a:r>
             <a:r>
               <a:rPr lang="en-US" dirty="0" err="1"/>
-              <a:t>A_AssociationRules.R</a:t>
+              <a:t>B_AssociationRules.R</a:t>
             </a:r>
             <a:endParaRPr lang="en-US" dirty="0"/>
           </a:p>
@@ -21804,7 +21838,7 @@
           <a:p>
             <a:fld id="{D753EFC8-4232-4598-94F6-94C0EBAFC469}" type="datetime1">
               <a:rPr lang="en-US" smtClean="0"/>
-              <a:t>12/4/23</a:t>
+              <a:t>4/28/24</a:t>
             </a:fld>
             <a:endParaRPr lang="en-US"/>
           </a:p>
@@ -26242,7 +26276,7 @@
           <a:p>
             <a:fld id="{6700A58B-DD98-43D0-B791-721480A02982}" type="datetime1">
               <a:rPr lang="en-US" smtClean="0"/>
-              <a:t>12/4/23</a:t>
+              <a:t>4/28/24</a:t>
             </a:fld>
             <a:endParaRPr lang="en-US"/>
           </a:p>
@@ -26486,11 +26520,15 @@
           <a:p>
             <a:r>
               <a:rPr lang="en-US" dirty="0"/>
-              <a:t>Open </a:t>
+              <a:t>Open C</a:t>
+            </a:r>
+            <a:r>
+              <a:rPr lang="en-US"/>
+              <a:t>_</a:t>
             </a:r>
             <a:r>
               <a:rPr lang="en-US" dirty="0" err="1"/>
-              <a:t>B_CollaborativeFiltering.R</a:t>
+              <a:t>CollaborativeFiltering.R</a:t>
             </a:r>
             <a:br>
               <a:rPr lang="en-US" dirty="0"/>
@@ -26516,7 +26554,7 @@
           <a:p>
             <a:fld id="{D753EFC8-4232-4598-94F6-94C0EBAFC469}" type="datetime1">
               <a:rPr lang="en-US" smtClean="0"/>
-              <a:t>12/4/23</a:t>
+              <a:t>4/28/24</a:t>
             </a:fld>
             <a:endParaRPr lang="en-US" dirty="0"/>
           </a:p>
@@ -26783,7 +26821,7 @@
           <a:p>
             <a:fld id="{D753EFC8-4232-4598-94F6-94C0EBAFC469}" type="datetime1">
               <a:rPr lang="en-US" smtClean="0"/>
-              <a:t>12/4/23</a:t>
+              <a:t>4/28/24</a:t>
             </a:fld>
             <a:endParaRPr lang="en-US" dirty="0"/>
           </a:p>
@@ -26953,7 +26991,7 @@
           <a:p>
             <a:fld id="{D753EFC8-4232-4598-94F6-94C0EBAFC469}" type="datetime1">
               <a:rPr lang="en-US" smtClean="0"/>
-              <a:t>12/4/23</a:t>
+              <a:t>4/28/24</a:t>
             </a:fld>
             <a:endParaRPr lang="en-US" dirty="0"/>
           </a:p>
@@ -27033,7 +27071,7 @@
           <a:p>
             <a:fld id="{6700A58B-DD98-43D0-B791-721480A02982}" type="datetime1">
               <a:rPr lang="en-US" smtClean="0"/>
-              <a:t>12/4/23</a:t>
+              <a:t>4/28/24</a:t>
             </a:fld>
             <a:endParaRPr lang="en-US"/>
           </a:p>
@@ -27432,7 +27470,7 @@
           <a:p>
             <a:fld id="{6700A58B-DD98-43D0-B791-721480A02982}" type="datetime1">
               <a:rPr lang="en-US" smtClean="0"/>
-              <a:t>12/4/23</a:t>
+              <a:t>4/28/24</a:t>
             </a:fld>
             <a:endParaRPr lang="en-US"/>
           </a:p>
@@ -27643,7 +27681,7 @@
           <a:p>
             <a:fld id="{6700A58B-DD98-43D0-B791-721480A02982}" type="datetime1">
               <a:rPr lang="en-US" smtClean="0"/>
-              <a:t>12/4/23</a:t>
+              <a:t>4/28/24</a:t>
             </a:fld>
             <a:endParaRPr lang="en-US"/>
           </a:p>
@@ -28076,7 +28114,7 @@
           <a:p>
             <a:fld id="{6700A58B-DD98-43D0-B791-721480A02982}" type="datetime1">
               <a:rPr lang="en-US" smtClean="0"/>
-              <a:t>12/4/23</a:t>
+              <a:t>4/28/24</a:t>
             </a:fld>
             <a:endParaRPr lang="en-US"/>
           </a:p>
